--- a/assets/img/flags/4x3/cn.pptx
+++ b/assets/img/flags/4x3/cn.pptx
@@ -2,12 +2,12 @@
 <file path=ppt/presentation.xml><?xml version="1.0" encoding="utf-8"?>
 <p:presentation xmlns:a="http://schemas.openxmlformats.org/drawingml/2006/main" xmlns:r="http://schemas.openxmlformats.org/officeDocument/2006/relationships" xmlns:p="http://schemas.openxmlformats.org/presentationml/2006/main" saveSubsetFonts="1">
   <p:sldMasterIdLst>
-    <p:sldMasterId id="2147483660" r:id="rId1"/>
+    <p:sldMasterId id="2147483684" r:id="rId1"/>
   </p:sldMasterIdLst>
   <p:sldIdLst>
     <p:sldId id="256" r:id="rId2"/>
   </p:sldIdLst>
-  <p:sldSz cx="9144000" cy="6858000" type="screen4x3"/>
+  <p:sldSz cx="9599613" cy="7199313"/>
   <p:notesSz cx="6858000" cy="9144000"/>
   <p:defaultTextStyle>
     <a:defPPr>
@@ -113,7 +113,7 @@
 </file>
 
 <file path=ppt/slideLayouts/slideLayout1.xml><?xml version="1.0" encoding="utf-8"?>
-<p:sldLayout xmlns:a="http://schemas.openxmlformats.org/drawingml/2006/main" xmlns:r="http://schemas.openxmlformats.org/officeDocument/2006/relationships" xmlns:p="http://schemas.openxmlformats.org/presentationml/2006/main" type="title" preserve="1">
+<p:sldLayout xmlns:a="http://schemas.openxmlformats.org/drawingml/2006/main" xmlns:r="http://schemas.openxmlformats.org/officeDocument/2006/relationships" xmlns:p="http://schemas.openxmlformats.org/presentationml/2006/main" showMasterSp="0" type="title" preserve="1">
   <p:cSld name="标题幻灯片">
     <p:spTree>
       <p:nvGrpSpPr>
@@ -141,15 +141,15 @@
         </p:nvSpPr>
         <p:spPr>
           <a:xfrm>
-            <a:off x="685800" y="1122363"/>
-            <a:ext cx="7772400" cy="2387600"/>
+            <a:off x="719971" y="1178222"/>
+            <a:ext cx="8159671" cy="2506427"/>
           </a:xfrm>
         </p:spPr>
         <p:txBody>
           <a:bodyPr anchor="b"/>
           <a:lstStyle>
             <a:lvl1pPr algn="ctr">
-              <a:defRPr sz="6000"/>
+              <a:defRPr sz="6299"/>
             </a:lvl1pPr>
           </a:lstStyle>
           <a:p>
@@ -173,8 +173,8 @@
         </p:nvSpPr>
         <p:spPr>
           <a:xfrm>
-            <a:off x="1143000" y="3602038"/>
-            <a:ext cx="6858000" cy="1655762"/>
+            <a:off x="1199952" y="3781306"/>
+            <a:ext cx="7199710" cy="1738167"/>
           </a:xfrm>
         </p:spPr>
         <p:txBody>
@@ -182,39 +182,39 @@
           <a:lstStyle>
             <a:lvl1pPr marL="0" indent="0" algn="ctr">
               <a:buNone/>
-              <a:defRPr sz="2400"/>
+              <a:defRPr sz="2520"/>
             </a:lvl1pPr>
-            <a:lvl2pPr marL="457200" indent="0" algn="ctr">
-              <a:buNone/>
-              <a:defRPr sz="2000"/>
+            <a:lvl2pPr marL="479969" indent="0" algn="ctr">
+              <a:buNone/>
+              <a:defRPr sz="2100"/>
             </a:lvl2pPr>
-            <a:lvl3pPr marL="914400" indent="0" algn="ctr">
-              <a:buNone/>
-              <a:defRPr sz="1800"/>
+            <a:lvl3pPr marL="959937" indent="0" algn="ctr">
+              <a:buNone/>
+              <a:defRPr sz="1890"/>
             </a:lvl3pPr>
-            <a:lvl4pPr marL="1371600" indent="0" algn="ctr">
-              <a:buNone/>
-              <a:defRPr sz="1600"/>
+            <a:lvl4pPr marL="1439906" indent="0" algn="ctr">
+              <a:buNone/>
+              <a:defRPr sz="1680"/>
             </a:lvl4pPr>
-            <a:lvl5pPr marL="1828800" indent="0" algn="ctr">
-              <a:buNone/>
-              <a:defRPr sz="1600"/>
+            <a:lvl5pPr marL="1919874" indent="0" algn="ctr">
+              <a:buNone/>
+              <a:defRPr sz="1680"/>
             </a:lvl5pPr>
-            <a:lvl6pPr marL="2286000" indent="0" algn="ctr">
-              <a:buNone/>
-              <a:defRPr sz="1600"/>
+            <a:lvl6pPr marL="2399843" indent="0" algn="ctr">
+              <a:buNone/>
+              <a:defRPr sz="1680"/>
             </a:lvl6pPr>
-            <a:lvl7pPr marL="2743200" indent="0" algn="ctr">
-              <a:buNone/>
-              <a:defRPr sz="1600"/>
+            <a:lvl7pPr marL="2879811" indent="0" algn="ctr">
+              <a:buNone/>
+              <a:defRPr sz="1680"/>
             </a:lvl7pPr>
-            <a:lvl8pPr marL="3200400" indent="0" algn="ctr">
-              <a:buNone/>
-              <a:defRPr sz="1600"/>
+            <a:lvl8pPr marL="3359780" indent="0" algn="ctr">
+              <a:buNone/>
+              <a:defRPr sz="1680"/>
             </a:lvl8pPr>
-            <a:lvl9pPr marL="3657600" indent="0" algn="ctr">
-              <a:buNone/>
-              <a:defRPr sz="1600"/>
+            <a:lvl9pPr marL="3839748" indent="0" algn="ctr">
+              <a:buNone/>
+              <a:defRPr sz="1680"/>
             </a:lvl9pPr>
           </a:lstStyle>
           <a:p>
@@ -243,7 +243,7 @@
           <a:p>
             <a:fld id="{12788856-18BD-4943-ACB1-E391CEA2FDEC}" type="datetimeFigureOut">
               <a:rPr lang="LID4096" smtClean="0"/>
-              <a:t>09/08/2024</a:t>
+              <a:t>12/12/2025</a:t>
             </a:fld>
             <a:endParaRPr lang="LID4096"/>
           </a:p>
@@ -294,7 +294,7 @@
     </p:spTree>
     <p:extLst>
       <p:ext uri="{BB962C8B-B14F-4D97-AF65-F5344CB8AC3E}">
-        <p14:creationId xmlns:p14="http://schemas.microsoft.com/office/powerpoint/2010/main" val="3972947849"/>
+        <p14:creationId xmlns:p14="http://schemas.microsoft.com/office/powerpoint/2010/main" val="20257362"/>
       </p:ext>
     </p:extLst>
   </p:cSld>
@@ -305,7 +305,7 @@
 </file>
 
 <file path=ppt/slideLayouts/slideLayout10.xml><?xml version="1.0" encoding="utf-8"?>
-<p:sldLayout xmlns:a="http://schemas.openxmlformats.org/drawingml/2006/main" xmlns:r="http://schemas.openxmlformats.org/officeDocument/2006/relationships" xmlns:p="http://schemas.openxmlformats.org/presentationml/2006/main" type="vertTx" preserve="1">
+<p:sldLayout xmlns:a="http://schemas.openxmlformats.org/drawingml/2006/main" xmlns:r="http://schemas.openxmlformats.org/officeDocument/2006/relationships" xmlns:p="http://schemas.openxmlformats.org/presentationml/2006/main" showMasterSp="0" type="vertTx" preserve="1">
   <p:cSld name="标题和竖排文字">
     <p:spTree>
       <p:nvGrpSpPr>
@@ -413,7 +413,7 @@
           <a:p>
             <a:fld id="{12788856-18BD-4943-ACB1-E391CEA2FDEC}" type="datetimeFigureOut">
               <a:rPr lang="LID4096" smtClean="0"/>
-              <a:t>09/08/2024</a:t>
+              <a:t>12/12/2025</a:t>
             </a:fld>
             <a:endParaRPr lang="LID4096"/>
           </a:p>
@@ -464,7 +464,7 @@
     </p:spTree>
     <p:extLst>
       <p:ext uri="{BB962C8B-B14F-4D97-AF65-F5344CB8AC3E}">
-        <p14:creationId xmlns:p14="http://schemas.microsoft.com/office/powerpoint/2010/main" val="3507665254"/>
+        <p14:creationId xmlns:p14="http://schemas.microsoft.com/office/powerpoint/2010/main" val="2177586814"/>
       </p:ext>
     </p:extLst>
   </p:cSld>
@@ -475,7 +475,7 @@
 </file>
 
 <file path=ppt/slideLayouts/slideLayout11.xml><?xml version="1.0" encoding="utf-8"?>
-<p:sldLayout xmlns:a="http://schemas.openxmlformats.org/drawingml/2006/main" xmlns:r="http://schemas.openxmlformats.org/officeDocument/2006/relationships" xmlns:p="http://schemas.openxmlformats.org/presentationml/2006/main" type="vertTitleAndTx" preserve="1">
+<p:sldLayout xmlns:a="http://schemas.openxmlformats.org/drawingml/2006/main" xmlns:r="http://schemas.openxmlformats.org/officeDocument/2006/relationships" xmlns:p="http://schemas.openxmlformats.org/presentationml/2006/main" showMasterSp="0" type="vertTitleAndTx" preserve="1">
   <p:cSld name="竖排标题与文本">
     <p:spTree>
       <p:nvGrpSpPr>
@@ -503,8 +503,8 @@
         </p:nvSpPr>
         <p:spPr>
           <a:xfrm>
-            <a:off x="6543675" y="365125"/>
-            <a:ext cx="1971675" cy="5811838"/>
+            <a:off x="6869723" y="383297"/>
+            <a:ext cx="2069917" cy="6101085"/>
           </a:xfrm>
         </p:spPr>
         <p:txBody>
@@ -531,8 +531,8 @@
         </p:nvSpPr>
         <p:spPr>
           <a:xfrm>
-            <a:off x="628650" y="365125"/>
-            <a:ext cx="5800725" cy="5811838"/>
+            <a:off x="659974" y="383297"/>
+            <a:ext cx="6089754" cy="6101085"/>
           </a:xfrm>
         </p:spPr>
         <p:txBody>
@@ -593,7 +593,7 @@
           <a:p>
             <a:fld id="{12788856-18BD-4943-ACB1-E391CEA2FDEC}" type="datetimeFigureOut">
               <a:rPr lang="LID4096" smtClean="0"/>
-              <a:t>09/08/2024</a:t>
+              <a:t>12/12/2025</a:t>
             </a:fld>
             <a:endParaRPr lang="LID4096"/>
           </a:p>
@@ -644,7 +644,7 @@
     </p:spTree>
     <p:extLst>
       <p:ext uri="{BB962C8B-B14F-4D97-AF65-F5344CB8AC3E}">
-        <p14:creationId xmlns:p14="http://schemas.microsoft.com/office/powerpoint/2010/main" val="489889060"/>
+        <p14:creationId xmlns:p14="http://schemas.microsoft.com/office/powerpoint/2010/main" val="1699809095"/>
       </p:ext>
     </p:extLst>
   </p:cSld>
@@ -655,7 +655,7 @@
 </file>
 
 <file path=ppt/slideLayouts/slideLayout2.xml><?xml version="1.0" encoding="utf-8"?>
-<p:sldLayout xmlns:a="http://schemas.openxmlformats.org/drawingml/2006/main" xmlns:r="http://schemas.openxmlformats.org/officeDocument/2006/relationships" xmlns:p="http://schemas.openxmlformats.org/presentationml/2006/main" type="obj" preserve="1">
+<p:sldLayout xmlns:a="http://schemas.openxmlformats.org/drawingml/2006/main" xmlns:r="http://schemas.openxmlformats.org/officeDocument/2006/relationships" xmlns:p="http://schemas.openxmlformats.org/presentationml/2006/main" showMasterSp="0" type="obj" preserve="1">
   <p:cSld name="标题和内容">
     <p:spTree>
       <p:nvGrpSpPr>
@@ -763,7 +763,7 @@
           <a:p>
             <a:fld id="{12788856-18BD-4943-ACB1-E391CEA2FDEC}" type="datetimeFigureOut">
               <a:rPr lang="LID4096" smtClean="0"/>
-              <a:t>09/08/2024</a:t>
+              <a:t>12/12/2025</a:t>
             </a:fld>
             <a:endParaRPr lang="LID4096"/>
           </a:p>
@@ -814,7 +814,7 @@
     </p:spTree>
     <p:extLst>
       <p:ext uri="{BB962C8B-B14F-4D97-AF65-F5344CB8AC3E}">
-        <p14:creationId xmlns:p14="http://schemas.microsoft.com/office/powerpoint/2010/main" val="716816392"/>
+        <p14:creationId xmlns:p14="http://schemas.microsoft.com/office/powerpoint/2010/main" val="2134763806"/>
       </p:ext>
     </p:extLst>
   </p:cSld>
@@ -825,7 +825,7 @@
 </file>
 
 <file path=ppt/slideLayouts/slideLayout3.xml><?xml version="1.0" encoding="utf-8"?>
-<p:sldLayout xmlns:a="http://schemas.openxmlformats.org/drawingml/2006/main" xmlns:r="http://schemas.openxmlformats.org/officeDocument/2006/relationships" xmlns:p="http://schemas.openxmlformats.org/presentationml/2006/main" type="secHead" preserve="1">
+<p:sldLayout xmlns:a="http://schemas.openxmlformats.org/drawingml/2006/main" xmlns:r="http://schemas.openxmlformats.org/officeDocument/2006/relationships" xmlns:p="http://schemas.openxmlformats.org/presentationml/2006/main" showMasterSp="0" type="secHead" preserve="1">
   <p:cSld name="节标题">
     <p:spTree>
       <p:nvGrpSpPr>
@@ -853,15 +853,15 @@
         </p:nvSpPr>
         <p:spPr>
           <a:xfrm>
-            <a:off x="623888" y="1709739"/>
-            <a:ext cx="7886700" cy="2852737"/>
+            <a:off x="654974" y="1794831"/>
+            <a:ext cx="8279666" cy="2994714"/>
           </a:xfrm>
         </p:spPr>
         <p:txBody>
           <a:bodyPr anchor="b"/>
           <a:lstStyle>
             <a:lvl1pPr>
-              <a:defRPr sz="6000"/>
+              <a:defRPr sz="6299"/>
             </a:lvl1pPr>
           </a:lstStyle>
           <a:p>
@@ -885,8 +885,8 @@
         </p:nvSpPr>
         <p:spPr>
           <a:xfrm>
-            <a:off x="623888" y="4589464"/>
-            <a:ext cx="7886700" cy="1500187"/>
+            <a:off x="654974" y="4817876"/>
+            <a:ext cx="8279666" cy="1574849"/>
           </a:xfrm>
         </p:spPr>
         <p:txBody>
@@ -894,7 +894,7 @@
           <a:lstStyle>
             <a:lvl1pPr marL="0" indent="0">
               <a:buNone/>
-              <a:defRPr sz="2400">
+              <a:defRPr sz="2520">
                 <a:solidFill>
                   <a:schemeClr val="tx1">
                     <a:tint val="82000"/>
@@ -902,9 +902,9 @@
                 </a:solidFill>
               </a:defRPr>
             </a:lvl1pPr>
-            <a:lvl2pPr marL="457200" indent="0">
-              <a:buNone/>
-              <a:defRPr sz="2000">
+            <a:lvl2pPr marL="479969" indent="0">
+              <a:buNone/>
+              <a:defRPr sz="2100">
                 <a:solidFill>
                   <a:schemeClr val="tx1">
                     <a:tint val="82000"/>
@@ -912,9 +912,9 @@
                 </a:solidFill>
               </a:defRPr>
             </a:lvl2pPr>
-            <a:lvl3pPr marL="914400" indent="0">
-              <a:buNone/>
-              <a:defRPr sz="1800">
+            <a:lvl3pPr marL="959937" indent="0">
+              <a:buNone/>
+              <a:defRPr sz="1890">
                 <a:solidFill>
                   <a:schemeClr val="tx1">
                     <a:tint val="82000"/>
@@ -922,9 +922,9 @@
                 </a:solidFill>
               </a:defRPr>
             </a:lvl3pPr>
-            <a:lvl4pPr marL="1371600" indent="0">
-              <a:buNone/>
-              <a:defRPr sz="1600">
+            <a:lvl4pPr marL="1439906" indent="0">
+              <a:buNone/>
+              <a:defRPr sz="1680">
                 <a:solidFill>
                   <a:schemeClr val="tx1">
                     <a:tint val="82000"/>
@@ -932,9 +932,9 @@
                 </a:solidFill>
               </a:defRPr>
             </a:lvl4pPr>
-            <a:lvl5pPr marL="1828800" indent="0">
-              <a:buNone/>
-              <a:defRPr sz="1600">
+            <a:lvl5pPr marL="1919874" indent="0">
+              <a:buNone/>
+              <a:defRPr sz="1680">
                 <a:solidFill>
                   <a:schemeClr val="tx1">
                     <a:tint val="82000"/>
@@ -942,9 +942,9 @@
                 </a:solidFill>
               </a:defRPr>
             </a:lvl5pPr>
-            <a:lvl6pPr marL="2286000" indent="0">
-              <a:buNone/>
-              <a:defRPr sz="1600">
+            <a:lvl6pPr marL="2399843" indent="0">
+              <a:buNone/>
+              <a:defRPr sz="1680">
                 <a:solidFill>
                   <a:schemeClr val="tx1">
                     <a:tint val="82000"/>
@@ -952,9 +952,9 @@
                 </a:solidFill>
               </a:defRPr>
             </a:lvl6pPr>
-            <a:lvl7pPr marL="2743200" indent="0">
-              <a:buNone/>
-              <a:defRPr sz="1600">
+            <a:lvl7pPr marL="2879811" indent="0">
+              <a:buNone/>
+              <a:defRPr sz="1680">
                 <a:solidFill>
                   <a:schemeClr val="tx1">
                     <a:tint val="82000"/>
@@ -962,9 +962,9 @@
                 </a:solidFill>
               </a:defRPr>
             </a:lvl7pPr>
-            <a:lvl8pPr marL="3200400" indent="0">
-              <a:buNone/>
-              <a:defRPr sz="1600">
+            <a:lvl8pPr marL="3359780" indent="0">
+              <a:buNone/>
+              <a:defRPr sz="1680">
                 <a:solidFill>
                   <a:schemeClr val="tx1">
                     <a:tint val="82000"/>
@@ -972,9 +972,9 @@
                 </a:solidFill>
               </a:defRPr>
             </a:lvl8pPr>
-            <a:lvl9pPr marL="3657600" indent="0">
-              <a:buNone/>
-              <a:defRPr sz="1600">
+            <a:lvl9pPr marL="3839748" indent="0">
+              <a:buNone/>
+              <a:defRPr sz="1680">
                 <a:solidFill>
                   <a:schemeClr val="tx1">
                     <a:tint val="82000"/>
@@ -1009,7 +1009,7 @@
           <a:p>
             <a:fld id="{12788856-18BD-4943-ACB1-E391CEA2FDEC}" type="datetimeFigureOut">
               <a:rPr lang="LID4096" smtClean="0"/>
-              <a:t>09/08/2024</a:t>
+              <a:t>12/12/2025</a:t>
             </a:fld>
             <a:endParaRPr lang="LID4096"/>
           </a:p>
@@ -1060,7 +1060,7 @@
     </p:spTree>
     <p:extLst>
       <p:ext uri="{BB962C8B-B14F-4D97-AF65-F5344CB8AC3E}">
-        <p14:creationId xmlns:p14="http://schemas.microsoft.com/office/powerpoint/2010/main" val="1324963689"/>
+        <p14:creationId xmlns:p14="http://schemas.microsoft.com/office/powerpoint/2010/main" val="382758169"/>
       </p:ext>
     </p:extLst>
   </p:cSld>
@@ -1071,7 +1071,7 @@
 </file>
 
 <file path=ppt/slideLayouts/slideLayout4.xml><?xml version="1.0" encoding="utf-8"?>
-<p:sldLayout xmlns:a="http://schemas.openxmlformats.org/drawingml/2006/main" xmlns:r="http://schemas.openxmlformats.org/officeDocument/2006/relationships" xmlns:p="http://schemas.openxmlformats.org/presentationml/2006/main" type="twoObj" preserve="1">
+<p:sldLayout xmlns:a="http://schemas.openxmlformats.org/drawingml/2006/main" xmlns:r="http://schemas.openxmlformats.org/officeDocument/2006/relationships" xmlns:p="http://schemas.openxmlformats.org/presentationml/2006/main" showMasterSp="0" type="twoObj" preserve="1">
   <p:cSld name="两栏内容">
     <p:spTree>
       <p:nvGrpSpPr>
@@ -1122,8 +1122,8 @@
         </p:nvSpPr>
         <p:spPr>
           <a:xfrm>
-            <a:off x="628650" y="1825625"/>
-            <a:ext cx="3886200" cy="4351338"/>
+            <a:off x="659973" y="1916484"/>
+            <a:ext cx="4079836" cy="4567898"/>
           </a:xfrm>
         </p:spPr>
         <p:txBody>
@@ -1179,8 +1179,8 @@
         </p:nvSpPr>
         <p:spPr>
           <a:xfrm>
-            <a:off x="4629150" y="1825625"/>
-            <a:ext cx="3886200" cy="4351338"/>
+            <a:off x="4859804" y="1916484"/>
+            <a:ext cx="4079836" cy="4567898"/>
           </a:xfrm>
         </p:spPr>
         <p:txBody>
@@ -1241,7 +1241,7 @@
           <a:p>
             <a:fld id="{12788856-18BD-4943-ACB1-E391CEA2FDEC}" type="datetimeFigureOut">
               <a:rPr lang="LID4096" smtClean="0"/>
-              <a:t>09/08/2024</a:t>
+              <a:t>12/12/2025</a:t>
             </a:fld>
             <a:endParaRPr lang="LID4096"/>
           </a:p>
@@ -1292,7 +1292,7 @@
     </p:spTree>
     <p:extLst>
       <p:ext uri="{BB962C8B-B14F-4D97-AF65-F5344CB8AC3E}">
-        <p14:creationId xmlns:p14="http://schemas.microsoft.com/office/powerpoint/2010/main" val="2184112819"/>
+        <p14:creationId xmlns:p14="http://schemas.microsoft.com/office/powerpoint/2010/main" val="4102759857"/>
       </p:ext>
     </p:extLst>
   </p:cSld>
@@ -1303,7 +1303,7 @@
 </file>
 
 <file path=ppt/slideLayouts/slideLayout5.xml><?xml version="1.0" encoding="utf-8"?>
-<p:sldLayout xmlns:a="http://schemas.openxmlformats.org/drawingml/2006/main" xmlns:r="http://schemas.openxmlformats.org/officeDocument/2006/relationships" xmlns:p="http://schemas.openxmlformats.org/presentationml/2006/main" type="twoTxTwoObj" preserve="1">
+<p:sldLayout xmlns:a="http://schemas.openxmlformats.org/drawingml/2006/main" xmlns:r="http://schemas.openxmlformats.org/officeDocument/2006/relationships" xmlns:p="http://schemas.openxmlformats.org/presentationml/2006/main" showMasterSp="0" type="twoTxTwoObj" preserve="1">
   <p:cSld name="比较">
     <p:spTree>
       <p:nvGrpSpPr>
@@ -1331,8 +1331,8 @@
         </p:nvSpPr>
         <p:spPr>
           <a:xfrm>
-            <a:off x="629841" y="365126"/>
-            <a:ext cx="7886700" cy="1325563"/>
+            <a:off x="661224" y="383299"/>
+            <a:ext cx="8279666" cy="1391534"/>
           </a:xfrm>
         </p:spPr>
         <p:txBody>
@@ -1359,8 +1359,8 @@
         </p:nvSpPr>
         <p:spPr>
           <a:xfrm>
-            <a:off x="629842" y="1681163"/>
-            <a:ext cx="3868340" cy="823912"/>
+            <a:off x="661225" y="1764832"/>
+            <a:ext cx="4061086" cy="864917"/>
           </a:xfrm>
         </p:spPr>
         <p:txBody>
@@ -1368,39 +1368,39 @@
           <a:lstStyle>
             <a:lvl1pPr marL="0" indent="0">
               <a:buNone/>
-              <a:defRPr sz="2400" b="1"/>
+              <a:defRPr sz="2520" b="1"/>
             </a:lvl1pPr>
-            <a:lvl2pPr marL="457200" indent="0">
-              <a:buNone/>
-              <a:defRPr sz="2000" b="1"/>
+            <a:lvl2pPr marL="479969" indent="0">
+              <a:buNone/>
+              <a:defRPr sz="2100" b="1"/>
             </a:lvl2pPr>
-            <a:lvl3pPr marL="914400" indent="0">
-              <a:buNone/>
-              <a:defRPr sz="1800" b="1"/>
+            <a:lvl3pPr marL="959937" indent="0">
+              <a:buNone/>
+              <a:defRPr sz="1890" b="1"/>
             </a:lvl3pPr>
-            <a:lvl4pPr marL="1371600" indent="0">
-              <a:buNone/>
-              <a:defRPr sz="1600" b="1"/>
+            <a:lvl4pPr marL="1439906" indent="0">
+              <a:buNone/>
+              <a:defRPr sz="1680" b="1"/>
             </a:lvl4pPr>
-            <a:lvl5pPr marL="1828800" indent="0">
-              <a:buNone/>
-              <a:defRPr sz="1600" b="1"/>
+            <a:lvl5pPr marL="1919874" indent="0">
+              <a:buNone/>
+              <a:defRPr sz="1680" b="1"/>
             </a:lvl5pPr>
-            <a:lvl6pPr marL="2286000" indent="0">
-              <a:buNone/>
-              <a:defRPr sz="1600" b="1"/>
+            <a:lvl6pPr marL="2399843" indent="0">
+              <a:buNone/>
+              <a:defRPr sz="1680" b="1"/>
             </a:lvl6pPr>
-            <a:lvl7pPr marL="2743200" indent="0">
-              <a:buNone/>
-              <a:defRPr sz="1600" b="1"/>
+            <a:lvl7pPr marL="2879811" indent="0">
+              <a:buNone/>
+              <a:defRPr sz="1680" b="1"/>
             </a:lvl7pPr>
-            <a:lvl8pPr marL="3200400" indent="0">
-              <a:buNone/>
-              <a:defRPr sz="1600" b="1"/>
+            <a:lvl8pPr marL="3359780" indent="0">
+              <a:buNone/>
+              <a:defRPr sz="1680" b="1"/>
             </a:lvl8pPr>
-            <a:lvl9pPr marL="3657600" indent="0">
-              <a:buNone/>
-              <a:defRPr sz="1600" b="1"/>
+            <a:lvl9pPr marL="3839748" indent="0">
+              <a:buNone/>
+              <a:defRPr sz="1680" b="1"/>
             </a:lvl9pPr>
           </a:lstStyle>
           <a:p>
@@ -1424,8 +1424,8 @@
         </p:nvSpPr>
         <p:spPr>
           <a:xfrm>
-            <a:off x="629842" y="2505075"/>
-            <a:ext cx="3868340" cy="3684588"/>
+            <a:off x="661225" y="2629749"/>
+            <a:ext cx="4061086" cy="3867965"/>
           </a:xfrm>
         </p:spPr>
         <p:txBody>
@@ -1481,8 +1481,8 @@
         </p:nvSpPr>
         <p:spPr>
           <a:xfrm>
-            <a:off x="4629150" y="1681163"/>
-            <a:ext cx="3887391" cy="823912"/>
+            <a:off x="4859805" y="1764832"/>
+            <a:ext cx="4081086" cy="864917"/>
           </a:xfrm>
         </p:spPr>
         <p:txBody>
@@ -1490,39 +1490,39 @@
           <a:lstStyle>
             <a:lvl1pPr marL="0" indent="0">
               <a:buNone/>
-              <a:defRPr sz="2400" b="1"/>
+              <a:defRPr sz="2520" b="1"/>
             </a:lvl1pPr>
-            <a:lvl2pPr marL="457200" indent="0">
-              <a:buNone/>
-              <a:defRPr sz="2000" b="1"/>
+            <a:lvl2pPr marL="479969" indent="0">
+              <a:buNone/>
+              <a:defRPr sz="2100" b="1"/>
             </a:lvl2pPr>
-            <a:lvl3pPr marL="914400" indent="0">
-              <a:buNone/>
-              <a:defRPr sz="1800" b="1"/>
+            <a:lvl3pPr marL="959937" indent="0">
+              <a:buNone/>
+              <a:defRPr sz="1890" b="1"/>
             </a:lvl3pPr>
-            <a:lvl4pPr marL="1371600" indent="0">
-              <a:buNone/>
-              <a:defRPr sz="1600" b="1"/>
+            <a:lvl4pPr marL="1439906" indent="0">
+              <a:buNone/>
+              <a:defRPr sz="1680" b="1"/>
             </a:lvl4pPr>
-            <a:lvl5pPr marL="1828800" indent="0">
-              <a:buNone/>
-              <a:defRPr sz="1600" b="1"/>
+            <a:lvl5pPr marL="1919874" indent="0">
+              <a:buNone/>
+              <a:defRPr sz="1680" b="1"/>
             </a:lvl5pPr>
-            <a:lvl6pPr marL="2286000" indent="0">
-              <a:buNone/>
-              <a:defRPr sz="1600" b="1"/>
+            <a:lvl6pPr marL="2399843" indent="0">
+              <a:buNone/>
+              <a:defRPr sz="1680" b="1"/>
             </a:lvl6pPr>
-            <a:lvl7pPr marL="2743200" indent="0">
-              <a:buNone/>
-              <a:defRPr sz="1600" b="1"/>
+            <a:lvl7pPr marL="2879811" indent="0">
+              <a:buNone/>
+              <a:defRPr sz="1680" b="1"/>
             </a:lvl7pPr>
-            <a:lvl8pPr marL="3200400" indent="0">
-              <a:buNone/>
-              <a:defRPr sz="1600" b="1"/>
+            <a:lvl8pPr marL="3359780" indent="0">
+              <a:buNone/>
+              <a:defRPr sz="1680" b="1"/>
             </a:lvl8pPr>
-            <a:lvl9pPr marL="3657600" indent="0">
-              <a:buNone/>
-              <a:defRPr sz="1600" b="1"/>
+            <a:lvl9pPr marL="3839748" indent="0">
+              <a:buNone/>
+              <a:defRPr sz="1680" b="1"/>
             </a:lvl9pPr>
           </a:lstStyle>
           <a:p>
@@ -1546,8 +1546,8 @@
         </p:nvSpPr>
         <p:spPr>
           <a:xfrm>
-            <a:off x="4629150" y="2505075"/>
-            <a:ext cx="3887391" cy="3684588"/>
+            <a:off x="4859805" y="2629749"/>
+            <a:ext cx="4081086" cy="3867965"/>
           </a:xfrm>
         </p:spPr>
         <p:txBody>
@@ -1608,7 +1608,7 @@
           <a:p>
             <a:fld id="{12788856-18BD-4943-ACB1-E391CEA2FDEC}" type="datetimeFigureOut">
               <a:rPr lang="LID4096" smtClean="0"/>
-              <a:t>09/08/2024</a:t>
+              <a:t>12/12/2025</a:t>
             </a:fld>
             <a:endParaRPr lang="LID4096"/>
           </a:p>
@@ -1659,7 +1659,7 @@
     </p:spTree>
     <p:extLst>
       <p:ext uri="{BB962C8B-B14F-4D97-AF65-F5344CB8AC3E}">
-        <p14:creationId xmlns:p14="http://schemas.microsoft.com/office/powerpoint/2010/main" val="856844223"/>
+        <p14:creationId xmlns:p14="http://schemas.microsoft.com/office/powerpoint/2010/main" val="1165033696"/>
       </p:ext>
     </p:extLst>
   </p:cSld>
@@ -1670,7 +1670,7 @@
 </file>
 
 <file path=ppt/slideLayouts/slideLayout6.xml><?xml version="1.0" encoding="utf-8"?>
-<p:sldLayout xmlns:a="http://schemas.openxmlformats.org/drawingml/2006/main" xmlns:r="http://schemas.openxmlformats.org/officeDocument/2006/relationships" xmlns:p="http://schemas.openxmlformats.org/presentationml/2006/main" type="titleOnly" preserve="1">
+<p:sldLayout xmlns:a="http://schemas.openxmlformats.org/drawingml/2006/main" xmlns:r="http://schemas.openxmlformats.org/officeDocument/2006/relationships" xmlns:p="http://schemas.openxmlformats.org/presentationml/2006/main" showMasterSp="0" type="titleOnly" preserve="1">
   <p:cSld name="仅标题">
     <p:spTree>
       <p:nvGrpSpPr>
@@ -1726,7 +1726,7 @@
           <a:p>
             <a:fld id="{12788856-18BD-4943-ACB1-E391CEA2FDEC}" type="datetimeFigureOut">
               <a:rPr lang="LID4096" smtClean="0"/>
-              <a:t>09/08/2024</a:t>
+              <a:t>12/12/2025</a:t>
             </a:fld>
             <a:endParaRPr lang="LID4096"/>
           </a:p>
@@ -1777,7 +1777,7 @@
     </p:spTree>
     <p:extLst>
       <p:ext uri="{BB962C8B-B14F-4D97-AF65-F5344CB8AC3E}">
-        <p14:creationId xmlns:p14="http://schemas.microsoft.com/office/powerpoint/2010/main" val="2400929654"/>
+        <p14:creationId xmlns:p14="http://schemas.microsoft.com/office/powerpoint/2010/main" val="34755464"/>
       </p:ext>
     </p:extLst>
   </p:cSld>
@@ -1788,7 +1788,7 @@
 </file>
 
 <file path=ppt/slideLayouts/slideLayout7.xml><?xml version="1.0" encoding="utf-8"?>
-<p:sldLayout xmlns:a="http://schemas.openxmlformats.org/drawingml/2006/main" xmlns:r="http://schemas.openxmlformats.org/officeDocument/2006/relationships" xmlns:p="http://schemas.openxmlformats.org/presentationml/2006/main" type="blank" preserve="1">
+<p:sldLayout xmlns:a="http://schemas.openxmlformats.org/drawingml/2006/main" xmlns:r="http://schemas.openxmlformats.org/officeDocument/2006/relationships" xmlns:p="http://schemas.openxmlformats.org/presentationml/2006/main" showMasterSp="0" type="blank" preserve="1">
   <p:cSld name="空白">
     <p:spTree>
       <p:nvGrpSpPr>
@@ -1821,7 +1821,7 @@
           <a:p>
             <a:fld id="{12788856-18BD-4943-ACB1-E391CEA2FDEC}" type="datetimeFigureOut">
               <a:rPr lang="LID4096" smtClean="0"/>
-              <a:t>09/08/2024</a:t>
+              <a:t>12/12/2025</a:t>
             </a:fld>
             <a:endParaRPr lang="LID4096"/>
           </a:p>
@@ -1872,7 +1872,7 @@
     </p:spTree>
     <p:extLst>
       <p:ext uri="{BB962C8B-B14F-4D97-AF65-F5344CB8AC3E}">
-        <p14:creationId xmlns:p14="http://schemas.microsoft.com/office/powerpoint/2010/main" val="2452326069"/>
+        <p14:creationId xmlns:p14="http://schemas.microsoft.com/office/powerpoint/2010/main" val="3669183538"/>
       </p:ext>
     </p:extLst>
   </p:cSld>
@@ -1883,7 +1883,7 @@
 </file>
 
 <file path=ppt/slideLayouts/slideLayout8.xml><?xml version="1.0" encoding="utf-8"?>
-<p:sldLayout xmlns:a="http://schemas.openxmlformats.org/drawingml/2006/main" xmlns:r="http://schemas.openxmlformats.org/officeDocument/2006/relationships" xmlns:p="http://schemas.openxmlformats.org/presentationml/2006/main" type="objTx" preserve="1">
+<p:sldLayout xmlns:a="http://schemas.openxmlformats.org/drawingml/2006/main" xmlns:r="http://schemas.openxmlformats.org/officeDocument/2006/relationships" xmlns:p="http://schemas.openxmlformats.org/presentationml/2006/main" showMasterSp="0" type="objTx" preserve="1">
   <p:cSld name="内容与标题">
     <p:spTree>
       <p:nvGrpSpPr>
@@ -1911,15 +1911,15 @@
         </p:nvSpPr>
         <p:spPr>
           <a:xfrm>
-            <a:off x="629841" y="457200"/>
-            <a:ext cx="2949178" cy="1600200"/>
+            <a:off x="661224" y="479954"/>
+            <a:ext cx="3096125" cy="1679840"/>
           </a:xfrm>
         </p:spPr>
         <p:txBody>
           <a:bodyPr anchor="b"/>
           <a:lstStyle>
             <a:lvl1pPr>
-              <a:defRPr sz="3200"/>
+              <a:defRPr sz="3359"/>
             </a:lvl1pPr>
           </a:lstStyle>
           <a:p>
@@ -1943,39 +1943,39 @@
         </p:nvSpPr>
         <p:spPr>
           <a:xfrm>
-            <a:off x="3887391" y="987426"/>
-            <a:ext cx="4629150" cy="4873625"/>
+            <a:off x="4081086" y="1036570"/>
+            <a:ext cx="4859804" cy="5116178"/>
           </a:xfrm>
         </p:spPr>
         <p:txBody>
           <a:bodyPr/>
           <a:lstStyle>
             <a:lvl1pPr>
-              <a:defRPr sz="3200"/>
+              <a:defRPr sz="3359"/>
             </a:lvl1pPr>
             <a:lvl2pPr>
-              <a:defRPr sz="2800"/>
+              <a:defRPr sz="2939"/>
             </a:lvl2pPr>
             <a:lvl3pPr>
-              <a:defRPr sz="2400"/>
+              <a:defRPr sz="2520"/>
             </a:lvl3pPr>
             <a:lvl4pPr>
-              <a:defRPr sz="2000"/>
+              <a:defRPr sz="2100"/>
             </a:lvl4pPr>
             <a:lvl5pPr>
-              <a:defRPr sz="2000"/>
+              <a:defRPr sz="2100"/>
             </a:lvl5pPr>
             <a:lvl6pPr>
-              <a:defRPr sz="2000"/>
+              <a:defRPr sz="2100"/>
             </a:lvl6pPr>
             <a:lvl7pPr>
-              <a:defRPr sz="2000"/>
+              <a:defRPr sz="2100"/>
             </a:lvl7pPr>
             <a:lvl8pPr>
-              <a:defRPr sz="2000"/>
+              <a:defRPr sz="2100"/>
             </a:lvl8pPr>
             <a:lvl9pPr>
-              <a:defRPr sz="2000"/>
+              <a:defRPr sz="2100"/>
             </a:lvl9pPr>
           </a:lstStyle>
           <a:p>
@@ -2028,8 +2028,8 @@
         </p:nvSpPr>
         <p:spPr>
           <a:xfrm>
-            <a:off x="629841" y="2057400"/>
-            <a:ext cx="2949178" cy="3811588"/>
+            <a:off x="661224" y="2159794"/>
+            <a:ext cx="3096125" cy="4001285"/>
           </a:xfrm>
         </p:spPr>
         <p:txBody>
@@ -2037,39 +2037,39 @@
           <a:lstStyle>
             <a:lvl1pPr marL="0" indent="0">
               <a:buNone/>
-              <a:defRPr sz="1600"/>
+              <a:defRPr sz="1680"/>
             </a:lvl1pPr>
-            <a:lvl2pPr marL="457200" indent="0">
-              <a:buNone/>
-              <a:defRPr sz="1400"/>
+            <a:lvl2pPr marL="479969" indent="0">
+              <a:buNone/>
+              <a:defRPr sz="1470"/>
             </a:lvl2pPr>
-            <a:lvl3pPr marL="914400" indent="0">
-              <a:buNone/>
-              <a:defRPr sz="1200"/>
+            <a:lvl3pPr marL="959937" indent="0">
+              <a:buNone/>
+              <a:defRPr sz="1260"/>
             </a:lvl3pPr>
-            <a:lvl4pPr marL="1371600" indent="0">
-              <a:buNone/>
-              <a:defRPr sz="1000"/>
+            <a:lvl4pPr marL="1439906" indent="0">
+              <a:buNone/>
+              <a:defRPr sz="1050"/>
             </a:lvl4pPr>
-            <a:lvl5pPr marL="1828800" indent="0">
-              <a:buNone/>
-              <a:defRPr sz="1000"/>
+            <a:lvl5pPr marL="1919874" indent="0">
+              <a:buNone/>
+              <a:defRPr sz="1050"/>
             </a:lvl5pPr>
-            <a:lvl6pPr marL="2286000" indent="0">
-              <a:buNone/>
-              <a:defRPr sz="1000"/>
+            <a:lvl6pPr marL="2399843" indent="0">
+              <a:buNone/>
+              <a:defRPr sz="1050"/>
             </a:lvl6pPr>
-            <a:lvl7pPr marL="2743200" indent="0">
-              <a:buNone/>
-              <a:defRPr sz="1000"/>
+            <a:lvl7pPr marL="2879811" indent="0">
+              <a:buNone/>
+              <a:defRPr sz="1050"/>
             </a:lvl7pPr>
-            <a:lvl8pPr marL="3200400" indent="0">
-              <a:buNone/>
-              <a:defRPr sz="1000"/>
+            <a:lvl8pPr marL="3359780" indent="0">
+              <a:buNone/>
+              <a:defRPr sz="1050"/>
             </a:lvl8pPr>
-            <a:lvl9pPr marL="3657600" indent="0">
-              <a:buNone/>
-              <a:defRPr sz="1000"/>
+            <a:lvl9pPr marL="3839748" indent="0">
+              <a:buNone/>
+              <a:defRPr sz="1050"/>
             </a:lvl9pPr>
           </a:lstStyle>
           <a:p>
@@ -2098,7 +2098,7 @@
           <a:p>
             <a:fld id="{12788856-18BD-4943-ACB1-E391CEA2FDEC}" type="datetimeFigureOut">
               <a:rPr lang="LID4096" smtClean="0"/>
-              <a:t>09/08/2024</a:t>
+              <a:t>12/12/2025</a:t>
             </a:fld>
             <a:endParaRPr lang="LID4096"/>
           </a:p>
@@ -2149,7 +2149,7 @@
     </p:spTree>
     <p:extLst>
       <p:ext uri="{BB962C8B-B14F-4D97-AF65-F5344CB8AC3E}">
-        <p14:creationId xmlns:p14="http://schemas.microsoft.com/office/powerpoint/2010/main" val="2698439499"/>
+        <p14:creationId xmlns:p14="http://schemas.microsoft.com/office/powerpoint/2010/main" val="3291380211"/>
       </p:ext>
     </p:extLst>
   </p:cSld>
@@ -2160,7 +2160,7 @@
 </file>
 
 <file path=ppt/slideLayouts/slideLayout9.xml><?xml version="1.0" encoding="utf-8"?>
-<p:sldLayout xmlns:a="http://schemas.openxmlformats.org/drawingml/2006/main" xmlns:r="http://schemas.openxmlformats.org/officeDocument/2006/relationships" xmlns:p="http://schemas.openxmlformats.org/presentationml/2006/main" type="picTx" preserve="1">
+<p:sldLayout xmlns:a="http://schemas.openxmlformats.org/drawingml/2006/main" xmlns:r="http://schemas.openxmlformats.org/officeDocument/2006/relationships" xmlns:p="http://schemas.openxmlformats.org/presentationml/2006/main" showMasterSp="0" type="picTx" preserve="1">
   <p:cSld name="图片与标题">
     <p:spTree>
       <p:nvGrpSpPr>
@@ -2188,15 +2188,15 @@
         </p:nvSpPr>
         <p:spPr>
           <a:xfrm>
-            <a:off x="629841" y="457200"/>
-            <a:ext cx="2949178" cy="1600200"/>
+            <a:off x="661224" y="479954"/>
+            <a:ext cx="3096125" cy="1679840"/>
           </a:xfrm>
         </p:spPr>
         <p:txBody>
           <a:bodyPr anchor="b"/>
           <a:lstStyle>
             <a:lvl1pPr>
-              <a:defRPr sz="3200"/>
+              <a:defRPr sz="3359"/>
             </a:lvl1pPr>
           </a:lstStyle>
           <a:p>
@@ -2220,8 +2220,8 @@
         </p:nvSpPr>
         <p:spPr>
           <a:xfrm>
-            <a:off x="3887391" y="987426"/>
-            <a:ext cx="4629150" cy="4873625"/>
+            <a:off x="4081086" y="1036570"/>
+            <a:ext cx="4859804" cy="5116178"/>
           </a:xfrm>
         </p:spPr>
         <p:txBody>
@@ -2229,39 +2229,39 @@
           <a:lstStyle>
             <a:lvl1pPr marL="0" indent="0">
               <a:buNone/>
-              <a:defRPr sz="3200"/>
+              <a:defRPr sz="3359"/>
             </a:lvl1pPr>
-            <a:lvl2pPr marL="457200" indent="0">
-              <a:buNone/>
-              <a:defRPr sz="2800"/>
+            <a:lvl2pPr marL="479969" indent="0">
+              <a:buNone/>
+              <a:defRPr sz="2939"/>
             </a:lvl2pPr>
-            <a:lvl3pPr marL="914400" indent="0">
-              <a:buNone/>
-              <a:defRPr sz="2400"/>
+            <a:lvl3pPr marL="959937" indent="0">
+              <a:buNone/>
+              <a:defRPr sz="2520"/>
             </a:lvl3pPr>
-            <a:lvl4pPr marL="1371600" indent="0">
-              <a:buNone/>
-              <a:defRPr sz="2000"/>
+            <a:lvl4pPr marL="1439906" indent="0">
+              <a:buNone/>
+              <a:defRPr sz="2100"/>
             </a:lvl4pPr>
-            <a:lvl5pPr marL="1828800" indent="0">
-              <a:buNone/>
-              <a:defRPr sz="2000"/>
+            <a:lvl5pPr marL="1919874" indent="0">
+              <a:buNone/>
+              <a:defRPr sz="2100"/>
             </a:lvl5pPr>
-            <a:lvl6pPr marL="2286000" indent="0">
-              <a:buNone/>
-              <a:defRPr sz="2000"/>
+            <a:lvl6pPr marL="2399843" indent="0">
+              <a:buNone/>
+              <a:defRPr sz="2100"/>
             </a:lvl6pPr>
-            <a:lvl7pPr marL="2743200" indent="0">
-              <a:buNone/>
-              <a:defRPr sz="2000"/>
+            <a:lvl7pPr marL="2879811" indent="0">
+              <a:buNone/>
+              <a:defRPr sz="2100"/>
             </a:lvl7pPr>
-            <a:lvl8pPr marL="3200400" indent="0">
-              <a:buNone/>
-              <a:defRPr sz="2000"/>
+            <a:lvl8pPr marL="3359780" indent="0">
+              <a:buNone/>
+              <a:defRPr sz="2100"/>
             </a:lvl8pPr>
-            <a:lvl9pPr marL="3657600" indent="0">
-              <a:buNone/>
-              <a:defRPr sz="2000"/>
+            <a:lvl9pPr marL="3839748" indent="0">
+              <a:buNone/>
+              <a:defRPr sz="2100"/>
             </a:lvl9pPr>
           </a:lstStyle>
           <a:p>
@@ -2285,8 +2285,8 @@
         </p:nvSpPr>
         <p:spPr>
           <a:xfrm>
-            <a:off x="629841" y="2057400"/>
-            <a:ext cx="2949178" cy="3811588"/>
+            <a:off x="661224" y="2159794"/>
+            <a:ext cx="3096125" cy="4001285"/>
           </a:xfrm>
         </p:spPr>
         <p:txBody>
@@ -2294,39 +2294,39 @@
           <a:lstStyle>
             <a:lvl1pPr marL="0" indent="0">
               <a:buNone/>
-              <a:defRPr sz="1600"/>
+              <a:defRPr sz="1680"/>
             </a:lvl1pPr>
-            <a:lvl2pPr marL="457200" indent="0">
-              <a:buNone/>
-              <a:defRPr sz="1400"/>
+            <a:lvl2pPr marL="479969" indent="0">
+              <a:buNone/>
+              <a:defRPr sz="1470"/>
             </a:lvl2pPr>
-            <a:lvl3pPr marL="914400" indent="0">
-              <a:buNone/>
-              <a:defRPr sz="1200"/>
+            <a:lvl3pPr marL="959937" indent="0">
+              <a:buNone/>
+              <a:defRPr sz="1260"/>
             </a:lvl3pPr>
-            <a:lvl4pPr marL="1371600" indent="0">
-              <a:buNone/>
-              <a:defRPr sz="1000"/>
+            <a:lvl4pPr marL="1439906" indent="0">
+              <a:buNone/>
+              <a:defRPr sz="1050"/>
             </a:lvl4pPr>
-            <a:lvl5pPr marL="1828800" indent="0">
-              <a:buNone/>
-              <a:defRPr sz="1000"/>
+            <a:lvl5pPr marL="1919874" indent="0">
+              <a:buNone/>
+              <a:defRPr sz="1050"/>
             </a:lvl5pPr>
-            <a:lvl6pPr marL="2286000" indent="0">
-              <a:buNone/>
-              <a:defRPr sz="1000"/>
+            <a:lvl6pPr marL="2399843" indent="0">
+              <a:buNone/>
+              <a:defRPr sz="1050"/>
             </a:lvl6pPr>
-            <a:lvl7pPr marL="2743200" indent="0">
-              <a:buNone/>
-              <a:defRPr sz="1000"/>
+            <a:lvl7pPr marL="2879811" indent="0">
+              <a:buNone/>
+              <a:defRPr sz="1050"/>
             </a:lvl7pPr>
-            <a:lvl8pPr marL="3200400" indent="0">
-              <a:buNone/>
-              <a:defRPr sz="1000"/>
+            <a:lvl8pPr marL="3359780" indent="0">
+              <a:buNone/>
+              <a:defRPr sz="1050"/>
             </a:lvl8pPr>
-            <a:lvl9pPr marL="3657600" indent="0">
-              <a:buNone/>
-              <a:defRPr sz="1000"/>
+            <a:lvl9pPr marL="3839748" indent="0">
+              <a:buNone/>
+              <a:defRPr sz="1050"/>
             </a:lvl9pPr>
           </a:lstStyle>
           <a:p>
@@ -2355,7 +2355,7 @@
           <a:p>
             <a:fld id="{12788856-18BD-4943-ACB1-E391CEA2FDEC}" type="datetimeFigureOut">
               <a:rPr lang="LID4096" smtClean="0"/>
-              <a:t>09/08/2024</a:t>
+              <a:t>12/12/2025</a:t>
             </a:fld>
             <a:endParaRPr lang="LID4096"/>
           </a:p>
@@ -2406,7 +2406,7 @@
     </p:spTree>
     <p:extLst>
       <p:ext uri="{BB962C8B-B14F-4D97-AF65-F5344CB8AC3E}">
-        <p14:creationId xmlns:p14="http://schemas.microsoft.com/office/powerpoint/2010/main" val="457365909"/>
+        <p14:creationId xmlns:p14="http://schemas.microsoft.com/office/powerpoint/2010/main" val="815034458"/>
       </p:ext>
     </p:extLst>
   </p:cSld>
@@ -2420,9 +2420,14 @@
 <p:sldMaster xmlns:a="http://schemas.openxmlformats.org/drawingml/2006/main" xmlns:r="http://schemas.openxmlformats.org/officeDocument/2006/relationships" xmlns:p="http://schemas.openxmlformats.org/presentationml/2006/main">
   <p:cSld>
     <p:bg>
-      <p:bgRef idx="1001">
-        <a:schemeClr val="bg1"/>
-      </p:bgRef>
+      <p:bgPr>
+        <a:solidFill>
+          <a:schemeClr val="bg1">
+            <a:alpha val="0"/>
+          </a:schemeClr>
+        </a:solidFill>
+        <a:effectLst/>
+      </p:bgPr>
     </p:bg>
     <p:spTree>
       <p:nvGrpSpPr>
@@ -2450,8 +2455,8 @@
         </p:nvSpPr>
         <p:spPr>
           <a:xfrm>
-            <a:off x="628650" y="365126"/>
-            <a:ext cx="7886700" cy="1325563"/>
+            <a:off x="659974" y="383299"/>
+            <a:ext cx="8279666" cy="1391534"/>
           </a:xfrm>
           <a:prstGeom prst="rect">
             <a:avLst/>
@@ -2483,8 +2488,8 @@
         </p:nvSpPr>
         <p:spPr>
           <a:xfrm>
-            <a:off x="628650" y="1825625"/>
-            <a:ext cx="7886700" cy="4351338"/>
+            <a:off x="659974" y="1916484"/>
+            <a:ext cx="8279666" cy="4567898"/>
           </a:xfrm>
           <a:prstGeom prst="rect">
             <a:avLst/>
@@ -2545,8 +2550,8 @@
         </p:nvSpPr>
         <p:spPr>
           <a:xfrm>
-            <a:off x="628650" y="6356351"/>
-            <a:ext cx="2057400" cy="365125"/>
+            <a:off x="659973" y="6672698"/>
+            <a:ext cx="2159913" cy="383297"/>
           </a:xfrm>
           <a:prstGeom prst="rect">
             <a:avLst/>
@@ -2556,7 +2561,7 @@
           <a:bodyPr vert="horz" lIns="91440" tIns="45720" rIns="91440" bIns="45720" rtlCol="0" anchor="ctr"/>
           <a:lstStyle>
             <a:lvl1pPr algn="l">
-              <a:defRPr sz="1200">
+              <a:defRPr sz="1260">
                 <a:solidFill>
                   <a:schemeClr val="tx1">
                     <a:tint val="82000"/>
@@ -2568,7 +2573,7 @@
           <a:p>
             <a:fld id="{12788856-18BD-4943-ACB1-E391CEA2FDEC}" type="datetimeFigureOut">
               <a:rPr lang="LID4096" smtClean="0"/>
-              <a:t>09/08/2024</a:t>
+              <a:t>12/12/2025</a:t>
             </a:fld>
             <a:endParaRPr lang="LID4096"/>
           </a:p>
@@ -2586,8 +2591,8 @@
         </p:nvSpPr>
         <p:spPr>
           <a:xfrm>
-            <a:off x="3028950" y="6356351"/>
-            <a:ext cx="3086100" cy="365125"/>
+            <a:off x="3179872" y="6672698"/>
+            <a:ext cx="3239869" cy="383297"/>
           </a:xfrm>
           <a:prstGeom prst="rect">
             <a:avLst/>
@@ -2597,7 +2602,7 @@
           <a:bodyPr vert="horz" lIns="91440" tIns="45720" rIns="91440" bIns="45720" rtlCol="0" anchor="ctr"/>
           <a:lstStyle>
             <a:lvl1pPr algn="ctr">
-              <a:defRPr sz="1200">
+              <a:defRPr sz="1260">
                 <a:solidFill>
                   <a:schemeClr val="tx1">
                     <a:tint val="82000"/>
@@ -2623,8 +2628,8 @@
         </p:nvSpPr>
         <p:spPr>
           <a:xfrm>
-            <a:off x="6457950" y="6356351"/>
-            <a:ext cx="2057400" cy="365125"/>
+            <a:off x="6779727" y="6672698"/>
+            <a:ext cx="2159913" cy="383297"/>
           </a:xfrm>
           <a:prstGeom prst="rect">
             <a:avLst/>
@@ -2634,7 +2639,7 @@
           <a:bodyPr vert="horz" lIns="91440" tIns="45720" rIns="91440" bIns="45720" rtlCol="0" anchor="ctr"/>
           <a:lstStyle>
             <a:lvl1pPr algn="r">
-              <a:defRPr sz="1200">
+              <a:defRPr sz="1260">
                 <a:solidFill>
                   <a:schemeClr val="tx1">
                     <a:tint val="82000"/>
@@ -2655,27 +2660,27 @@
     </p:spTree>
     <p:extLst>
       <p:ext uri="{BB962C8B-B14F-4D97-AF65-F5344CB8AC3E}">
-        <p14:creationId xmlns:p14="http://schemas.microsoft.com/office/powerpoint/2010/main" val="616665399"/>
+        <p14:creationId xmlns:p14="http://schemas.microsoft.com/office/powerpoint/2010/main" val="2927144030"/>
       </p:ext>
     </p:extLst>
   </p:cSld>
   <p:clrMap bg1="lt1" tx1="dk1" bg2="lt2" tx2="dk2" accent1="accent1" accent2="accent2" accent3="accent3" accent4="accent4" accent5="accent5" accent6="accent6" hlink="hlink" folHlink="folHlink"/>
   <p:sldLayoutIdLst>
-    <p:sldLayoutId id="2147483661" r:id="rId1"/>
-    <p:sldLayoutId id="2147483662" r:id="rId2"/>
-    <p:sldLayoutId id="2147483663" r:id="rId3"/>
-    <p:sldLayoutId id="2147483664" r:id="rId4"/>
-    <p:sldLayoutId id="2147483665" r:id="rId5"/>
-    <p:sldLayoutId id="2147483666" r:id="rId6"/>
-    <p:sldLayoutId id="2147483667" r:id="rId7"/>
-    <p:sldLayoutId id="2147483668" r:id="rId8"/>
-    <p:sldLayoutId id="2147483669" r:id="rId9"/>
-    <p:sldLayoutId id="2147483670" r:id="rId10"/>
-    <p:sldLayoutId id="2147483671" r:id="rId11"/>
+    <p:sldLayoutId id="2147483685" r:id="rId1"/>
+    <p:sldLayoutId id="2147483686" r:id="rId2"/>
+    <p:sldLayoutId id="2147483687" r:id="rId3"/>
+    <p:sldLayoutId id="2147483688" r:id="rId4"/>
+    <p:sldLayoutId id="2147483689" r:id="rId5"/>
+    <p:sldLayoutId id="2147483690" r:id="rId6"/>
+    <p:sldLayoutId id="2147483691" r:id="rId7"/>
+    <p:sldLayoutId id="2147483692" r:id="rId8"/>
+    <p:sldLayoutId id="2147483693" r:id="rId9"/>
+    <p:sldLayoutId id="2147483694" r:id="rId10"/>
+    <p:sldLayoutId id="2147483695" r:id="rId11"/>
   </p:sldLayoutIdLst>
   <p:txStyles>
     <p:titleStyle>
-      <a:lvl1pPr algn="l" defTabSz="914400" rtl="0" eaLnBrk="1" latinLnBrk="0" hangingPunct="1">
+      <a:lvl1pPr algn="l" defTabSz="959937" rtl="0" eaLnBrk="1" latinLnBrk="0" hangingPunct="1">
         <a:lnSpc>
           <a:spcPct val="90000"/>
         </a:lnSpc>
@@ -2683,7 +2688,7 @@
           <a:spcPct val="0"/>
         </a:spcBef>
         <a:buNone/>
-        <a:defRPr sz="4400" kern="1200">
+        <a:defRPr sz="4619" kern="1200">
           <a:solidFill>
             <a:schemeClr val="tx1"/>
           </a:solidFill>
@@ -2694,16 +2699,16 @@
       </a:lvl1pPr>
     </p:titleStyle>
     <p:bodyStyle>
-      <a:lvl1pPr marL="228600" indent="-228600" algn="l" defTabSz="914400" rtl="0" eaLnBrk="1" latinLnBrk="0" hangingPunct="1">
+      <a:lvl1pPr marL="239984" indent="-239984" algn="l" defTabSz="959937" rtl="0" eaLnBrk="1" latinLnBrk="0" hangingPunct="1">
         <a:lnSpc>
           <a:spcPct val="90000"/>
         </a:lnSpc>
         <a:spcBef>
-          <a:spcPts val="1000"/>
+          <a:spcPts val="1050"/>
         </a:spcBef>
         <a:buFont typeface="Arial" panose="020B0604020202020204" pitchFamily="34" charset="0"/>
         <a:buChar char="•"/>
-        <a:defRPr sz="2800" kern="1200">
+        <a:defRPr sz="2939" kern="1200">
           <a:solidFill>
             <a:schemeClr val="tx1"/>
           </a:solidFill>
@@ -2712,16 +2717,16 @@
           <a:cs typeface="+mn-cs"/>
         </a:defRPr>
       </a:lvl1pPr>
-      <a:lvl2pPr marL="685800" indent="-228600" algn="l" defTabSz="914400" rtl="0" eaLnBrk="1" latinLnBrk="0" hangingPunct="1">
+      <a:lvl2pPr marL="719953" indent="-239984" algn="l" defTabSz="959937" rtl="0" eaLnBrk="1" latinLnBrk="0" hangingPunct="1">
         <a:lnSpc>
           <a:spcPct val="90000"/>
         </a:lnSpc>
         <a:spcBef>
-          <a:spcPts val="500"/>
+          <a:spcPts val="525"/>
         </a:spcBef>
         <a:buFont typeface="Arial" panose="020B0604020202020204" pitchFamily="34" charset="0"/>
         <a:buChar char="•"/>
-        <a:defRPr sz="2400" kern="1200">
+        <a:defRPr sz="2520" kern="1200">
           <a:solidFill>
             <a:schemeClr val="tx1"/>
           </a:solidFill>
@@ -2730,16 +2735,16 @@
           <a:cs typeface="+mn-cs"/>
         </a:defRPr>
       </a:lvl2pPr>
-      <a:lvl3pPr marL="1143000" indent="-228600" algn="l" defTabSz="914400" rtl="0" eaLnBrk="1" latinLnBrk="0" hangingPunct="1">
+      <a:lvl3pPr marL="1199921" indent="-239984" algn="l" defTabSz="959937" rtl="0" eaLnBrk="1" latinLnBrk="0" hangingPunct="1">
         <a:lnSpc>
           <a:spcPct val="90000"/>
         </a:lnSpc>
         <a:spcBef>
-          <a:spcPts val="500"/>
+          <a:spcPts val="525"/>
         </a:spcBef>
         <a:buFont typeface="Arial" panose="020B0604020202020204" pitchFamily="34" charset="0"/>
         <a:buChar char="•"/>
-        <a:defRPr sz="2000" kern="1200">
+        <a:defRPr sz="2100" kern="1200">
           <a:solidFill>
             <a:schemeClr val="tx1"/>
           </a:solidFill>
@@ -2748,16 +2753,16 @@
           <a:cs typeface="+mn-cs"/>
         </a:defRPr>
       </a:lvl3pPr>
-      <a:lvl4pPr marL="1600200" indent="-228600" algn="l" defTabSz="914400" rtl="0" eaLnBrk="1" latinLnBrk="0" hangingPunct="1">
+      <a:lvl4pPr marL="1679890" indent="-239984" algn="l" defTabSz="959937" rtl="0" eaLnBrk="1" latinLnBrk="0" hangingPunct="1">
         <a:lnSpc>
           <a:spcPct val="90000"/>
         </a:lnSpc>
         <a:spcBef>
-          <a:spcPts val="500"/>
+          <a:spcPts val="525"/>
         </a:spcBef>
         <a:buFont typeface="Arial" panose="020B0604020202020204" pitchFamily="34" charset="0"/>
         <a:buChar char="•"/>
-        <a:defRPr sz="1800" kern="1200">
+        <a:defRPr sz="1890" kern="1200">
           <a:solidFill>
             <a:schemeClr val="tx1"/>
           </a:solidFill>
@@ -2766,16 +2771,16 @@
           <a:cs typeface="+mn-cs"/>
         </a:defRPr>
       </a:lvl4pPr>
-      <a:lvl5pPr marL="2057400" indent="-228600" algn="l" defTabSz="914400" rtl="0" eaLnBrk="1" latinLnBrk="0" hangingPunct="1">
+      <a:lvl5pPr marL="2159859" indent="-239984" algn="l" defTabSz="959937" rtl="0" eaLnBrk="1" latinLnBrk="0" hangingPunct="1">
         <a:lnSpc>
           <a:spcPct val="90000"/>
         </a:lnSpc>
         <a:spcBef>
-          <a:spcPts val="500"/>
+          <a:spcPts val="525"/>
         </a:spcBef>
         <a:buFont typeface="Arial" panose="020B0604020202020204" pitchFamily="34" charset="0"/>
         <a:buChar char="•"/>
-        <a:defRPr sz="1800" kern="1200">
+        <a:defRPr sz="1890" kern="1200">
           <a:solidFill>
             <a:schemeClr val="tx1"/>
           </a:solidFill>
@@ -2784,16 +2789,16 @@
           <a:cs typeface="+mn-cs"/>
         </a:defRPr>
       </a:lvl5pPr>
-      <a:lvl6pPr marL="2514600" indent="-228600" algn="l" defTabSz="914400" rtl="0" eaLnBrk="1" latinLnBrk="0" hangingPunct="1">
+      <a:lvl6pPr marL="2639827" indent="-239984" algn="l" defTabSz="959937" rtl="0" eaLnBrk="1" latinLnBrk="0" hangingPunct="1">
         <a:lnSpc>
           <a:spcPct val="90000"/>
         </a:lnSpc>
         <a:spcBef>
-          <a:spcPts val="500"/>
+          <a:spcPts val="525"/>
         </a:spcBef>
         <a:buFont typeface="Arial" panose="020B0604020202020204" pitchFamily="34" charset="0"/>
         <a:buChar char="•"/>
-        <a:defRPr sz="1800" kern="1200">
+        <a:defRPr sz="1890" kern="1200">
           <a:solidFill>
             <a:schemeClr val="tx1"/>
           </a:solidFill>
@@ -2802,16 +2807,16 @@
           <a:cs typeface="+mn-cs"/>
         </a:defRPr>
       </a:lvl6pPr>
-      <a:lvl7pPr marL="2971800" indent="-228600" algn="l" defTabSz="914400" rtl="0" eaLnBrk="1" latinLnBrk="0" hangingPunct="1">
+      <a:lvl7pPr marL="3119796" indent="-239984" algn="l" defTabSz="959937" rtl="0" eaLnBrk="1" latinLnBrk="0" hangingPunct="1">
         <a:lnSpc>
           <a:spcPct val="90000"/>
         </a:lnSpc>
         <a:spcBef>
-          <a:spcPts val="500"/>
+          <a:spcPts val="525"/>
         </a:spcBef>
         <a:buFont typeface="Arial" panose="020B0604020202020204" pitchFamily="34" charset="0"/>
         <a:buChar char="•"/>
-        <a:defRPr sz="1800" kern="1200">
+        <a:defRPr sz="1890" kern="1200">
           <a:solidFill>
             <a:schemeClr val="tx1"/>
           </a:solidFill>
@@ -2820,16 +2825,16 @@
           <a:cs typeface="+mn-cs"/>
         </a:defRPr>
       </a:lvl7pPr>
-      <a:lvl8pPr marL="3429000" indent="-228600" algn="l" defTabSz="914400" rtl="0" eaLnBrk="1" latinLnBrk="0" hangingPunct="1">
+      <a:lvl8pPr marL="3599764" indent="-239984" algn="l" defTabSz="959937" rtl="0" eaLnBrk="1" latinLnBrk="0" hangingPunct="1">
         <a:lnSpc>
           <a:spcPct val="90000"/>
         </a:lnSpc>
         <a:spcBef>
-          <a:spcPts val="500"/>
+          <a:spcPts val="525"/>
         </a:spcBef>
         <a:buFont typeface="Arial" panose="020B0604020202020204" pitchFamily="34" charset="0"/>
         <a:buChar char="•"/>
-        <a:defRPr sz="1800" kern="1200">
+        <a:defRPr sz="1890" kern="1200">
           <a:solidFill>
             <a:schemeClr val="tx1"/>
           </a:solidFill>
@@ -2838,16 +2843,16 @@
           <a:cs typeface="+mn-cs"/>
         </a:defRPr>
       </a:lvl8pPr>
-      <a:lvl9pPr marL="3886200" indent="-228600" algn="l" defTabSz="914400" rtl="0" eaLnBrk="1" latinLnBrk="0" hangingPunct="1">
+      <a:lvl9pPr marL="4079733" indent="-239984" algn="l" defTabSz="959937" rtl="0" eaLnBrk="1" latinLnBrk="0" hangingPunct="1">
         <a:lnSpc>
           <a:spcPct val="90000"/>
         </a:lnSpc>
         <a:spcBef>
-          <a:spcPts val="500"/>
+          <a:spcPts val="525"/>
         </a:spcBef>
         <a:buFont typeface="Arial" panose="020B0604020202020204" pitchFamily="34" charset="0"/>
         <a:buChar char="•"/>
-        <a:defRPr sz="1800" kern="1200">
+        <a:defRPr sz="1890" kern="1200">
           <a:solidFill>
             <a:schemeClr val="tx1"/>
           </a:solidFill>
@@ -2861,8 +2866,8 @@
       <a:defPPr>
         <a:defRPr lang="en-US"/>
       </a:defPPr>
-      <a:lvl1pPr marL="0" algn="l" defTabSz="914400" rtl="0" eaLnBrk="1" latinLnBrk="0" hangingPunct="1">
-        <a:defRPr sz="1800" kern="1200">
+      <a:lvl1pPr marL="0" algn="l" defTabSz="959937" rtl="0" eaLnBrk="1" latinLnBrk="0" hangingPunct="1">
+        <a:defRPr sz="1890" kern="1200">
           <a:solidFill>
             <a:schemeClr val="tx1"/>
           </a:solidFill>
@@ -2871,8 +2876,8 @@
           <a:cs typeface="+mn-cs"/>
         </a:defRPr>
       </a:lvl1pPr>
-      <a:lvl2pPr marL="457200" algn="l" defTabSz="914400" rtl="0" eaLnBrk="1" latinLnBrk="0" hangingPunct="1">
-        <a:defRPr sz="1800" kern="1200">
+      <a:lvl2pPr marL="479969" algn="l" defTabSz="959937" rtl="0" eaLnBrk="1" latinLnBrk="0" hangingPunct="1">
+        <a:defRPr sz="1890" kern="1200">
           <a:solidFill>
             <a:schemeClr val="tx1"/>
           </a:solidFill>
@@ -2881,8 +2886,8 @@
           <a:cs typeface="+mn-cs"/>
         </a:defRPr>
       </a:lvl2pPr>
-      <a:lvl3pPr marL="914400" algn="l" defTabSz="914400" rtl="0" eaLnBrk="1" latinLnBrk="0" hangingPunct="1">
-        <a:defRPr sz="1800" kern="1200">
+      <a:lvl3pPr marL="959937" algn="l" defTabSz="959937" rtl="0" eaLnBrk="1" latinLnBrk="0" hangingPunct="1">
+        <a:defRPr sz="1890" kern="1200">
           <a:solidFill>
             <a:schemeClr val="tx1"/>
           </a:solidFill>
@@ -2891,8 +2896,8 @@
           <a:cs typeface="+mn-cs"/>
         </a:defRPr>
       </a:lvl3pPr>
-      <a:lvl4pPr marL="1371600" algn="l" defTabSz="914400" rtl="0" eaLnBrk="1" latinLnBrk="0" hangingPunct="1">
-        <a:defRPr sz="1800" kern="1200">
+      <a:lvl4pPr marL="1439906" algn="l" defTabSz="959937" rtl="0" eaLnBrk="1" latinLnBrk="0" hangingPunct="1">
+        <a:defRPr sz="1890" kern="1200">
           <a:solidFill>
             <a:schemeClr val="tx1"/>
           </a:solidFill>
@@ -2901,8 +2906,8 @@
           <a:cs typeface="+mn-cs"/>
         </a:defRPr>
       </a:lvl4pPr>
-      <a:lvl5pPr marL="1828800" algn="l" defTabSz="914400" rtl="0" eaLnBrk="1" latinLnBrk="0" hangingPunct="1">
-        <a:defRPr sz="1800" kern="1200">
+      <a:lvl5pPr marL="1919874" algn="l" defTabSz="959937" rtl="0" eaLnBrk="1" latinLnBrk="0" hangingPunct="1">
+        <a:defRPr sz="1890" kern="1200">
           <a:solidFill>
             <a:schemeClr val="tx1"/>
           </a:solidFill>
@@ -2911,8 +2916,8 @@
           <a:cs typeface="+mn-cs"/>
         </a:defRPr>
       </a:lvl5pPr>
-      <a:lvl6pPr marL="2286000" algn="l" defTabSz="914400" rtl="0" eaLnBrk="1" latinLnBrk="0" hangingPunct="1">
-        <a:defRPr sz="1800" kern="1200">
+      <a:lvl6pPr marL="2399843" algn="l" defTabSz="959937" rtl="0" eaLnBrk="1" latinLnBrk="0" hangingPunct="1">
+        <a:defRPr sz="1890" kern="1200">
           <a:solidFill>
             <a:schemeClr val="tx1"/>
           </a:solidFill>
@@ -2921,8 +2926,8 @@
           <a:cs typeface="+mn-cs"/>
         </a:defRPr>
       </a:lvl6pPr>
-      <a:lvl7pPr marL="2743200" algn="l" defTabSz="914400" rtl="0" eaLnBrk="1" latinLnBrk="0" hangingPunct="1">
-        <a:defRPr sz="1800" kern="1200">
+      <a:lvl7pPr marL="2879811" algn="l" defTabSz="959937" rtl="0" eaLnBrk="1" latinLnBrk="0" hangingPunct="1">
+        <a:defRPr sz="1890" kern="1200">
           <a:solidFill>
             <a:schemeClr val="tx1"/>
           </a:solidFill>
@@ -2931,8 +2936,8 @@
           <a:cs typeface="+mn-cs"/>
         </a:defRPr>
       </a:lvl7pPr>
-      <a:lvl8pPr marL="3200400" algn="l" defTabSz="914400" rtl="0" eaLnBrk="1" latinLnBrk="0" hangingPunct="1">
-        <a:defRPr sz="1800" kern="1200">
+      <a:lvl8pPr marL="3359780" algn="l" defTabSz="959937" rtl="0" eaLnBrk="1" latinLnBrk="0" hangingPunct="1">
+        <a:defRPr sz="1890" kern="1200">
           <a:solidFill>
             <a:schemeClr val="tx1"/>
           </a:solidFill>
@@ -2941,8 +2946,8 @@
           <a:cs typeface="+mn-cs"/>
         </a:defRPr>
       </a:lvl8pPr>
-      <a:lvl9pPr marL="3657600" algn="l" defTabSz="914400" rtl="0" eaLnBrk="1" latinLnBrk="0" hangingPunct="1">
-        <a:defRPr sz="1800" kern="1200">
+      <a:lvl9pPr marL="3839748" algn="l" defTabSz="959937" rtl="0" eaLnBrk="1" latinLnBrk="0" hangingPunct="1">
+        <a:defRPr sz="1890" kern="1200">
           <a:solidFill>
             <a:schemeClr val="tx1"/>
           </a:solidFill>
@@ -2957,7 +2962,7 @@
 </file>
 
 <file path=ppt/slides/slide1.xml><?xml version="1.0" encoding="utf-8"?>
-<p:sld xmlns:a="http://schemas.openxmlformats.org/drawingml/2006/main" xmlns:r="http://schemas.openxmlformats.org/officeDocument/2006/relationships" xmlns:p="http://schemas.openxmlformats.org/presentationml/2006/main">
+<p:sld xmlns:a="http://schemas.openxmlformats.org/drawingml/2006/main" xmlns:r="http://schemas.openxmlformats.org/officeDocument/2006/relationships" xmlns:p="http://schemas.openxmlformats.org/presentationml/2006/main" showMasterSp="0">
   <p:cSld>
     <p:spTree>
       <p:nvGrpSpPr>
@@ -2987,8 +2992,8 @@
         </p:nvSpPr>
         <p:spPr>
           <a:xfrm>
-            <a:off x="-503813" y="543114"/>
-            <a:ext cx="10785423" cy="5940088"/>
+            <a:off x="-233626" y="484123"/>
+            <a:ext cx="11322821" cy="6231065"/>
           </a:xfrm>
           <a:prstGeom prst="rect">
             <a:avLst/>
@@ -3002,7 +3007,7 @@
           <a:lstStyle/>
           <a:p>
             <a:r>
-              <a:rPr lang="zh-CN" altLang="en-US" sz="38000" dirty="0">
+              <a:rPr lang="zh-CN" altLang="en-US" sz="39891" b="1" dirty="0">
                 <a:solidFill>
                   <a:srgbClr val="FF0000"/>
                 </a:solidFill>
@@ -3010,9 +3015,9 @@
                 <a:ea typeface="Misans" pitchFamily="2" charset="-122"/>
                 <a:cs typeface="Misans" pitchFamily="2" charset="-122"/>
               </a:rPr>
-              <a:t>中文</a:t>
-            </a:r>
-            <a:endParaRPr lang="LID4096" sz="38000" dirty="0">
+              <a:t>简中</a:t>
+            </a:r>
+            <a:endParaRPr lang="LID4096" sz="39891" b="1" dirty="0">
               <a:solidFill>
                 <a:srgbClr val="FF0000"/>
               </a:solidFill>
